--- a/assets/lectures/cshl/2021/mini/RNASeq_MiniLecture_02_03_SAM_BAM_BED.pptx
+++ b/assets/lectures/cshl/2021/mini/RNASeq_MiniLecture_02_03_SAM_BAM_BED.pptx
@@ -217,7 +217,7 @@
           <a:p>
             <a:fld id="{3F074802-55CA-9B40-9191-B744CF71FA91}" type="datetimeFigureOut">
               <a:rPr lang="en-US" smtClean="0"/>
-              <a:t>11/17/20</a:t>
+              <a:t>11/10/21</a:t>
             </a:fld>
             <a:endParaRPr lang="en-US"/>
           </a:p>
@@ -1049,14 +1049,14 @@
           </a:ln>
           <a:extLst>
             <a:ext uri="{909E8E84-426E-40dd-AFC4-6F175D3DCCD1}">
-              <a14:hiddenFill xmlns="" xmlns:a14="http://schemas.microsoft.com/office/drawing/2010/main">
+              <a14:hiddenFill xmlns:a14="http://schemas.microsoft.com/office/drawing/2010/main" xmlns="">
                 <a:solidFill>
                   <a:srgbClr val="FFFFFF"/>
                 </a:solidFill>
               </a14:hiddenFill>
             </a:ext>
             <a:ext uri="{91240B29-F687-4f45-9708-019B960494DF}">
-              <a14:hiddenLine xmlns="" xmlns:a14="http://schemas.microsoft.com/office/drawing/2010/main" w="9525">
+              <a14:hiddenLine xmlns:a14="http://schemas.microsoft.com/office/drawing/2010/main" xmlns="" w="9525">
                 <a:solidFill>
                   <a:srgbClr val="000000"/>
                 </a:solidFill>
@@ -1551,14 +1551,14 @@
           </a:ln>
           <a:extLst>
             <a:ext uri="{909E8E84-426E-40dd-AFC4-6F175D3DCCD1}">
-              <a14:hiddenFill xmlns="" xmlns:a14="http://schemas.microsoft.com/office/drawing/2010/main">
+              <a14:hiddenFill xmlns:a14="http://schemas.microsoft.com/office/drawing/2010/main" xmlns="">
                 <a:solidFill>
                   <a:srgbClr val="FFFFFF"/>
                 </a:solidFill>
               </a14:hiddenFill>
             </a:ext>
             <a:ext uri="{91240B29-F687-4f45-9708-019B960494DF}">
-              <a14:hiddenLine xmlns="" xmlns:a14="http://schemas.microsoft.com/office/drawing/2010/main" w="9525">
+              <a14:hiddenLine xmlns:a14="http://schemas.microsoft.com/office/drawing/2010/main" xmlns="" w="9525">
                 <a:solidFill>
                   <a:srgbClr val="000000"/>
                 </a:solidFill>
@@ -3713,14 +3713,14 @@
           </a:ln>
           <a:extLst>
             <a:ext uri="{909E8E84-426E-40dd-AFC4-6F175D3DCCD1}">
-              <a14:hiddenFill xmlns:a14="http://schemas.microsoft.com/office/drawing/2010/main" xmlns="">
+              <a14:hiddenFill xmlns="" xmlns:a14="http://schemas.microsoft.com/office/drawing/2010/main">
                 <a:solidFill>
                   <a:srgbClr val="FFFFFF"/>
                 </a:solidFill>
               </a14:hiddenFill>
             </a:ext>
             <a:ext uri="{91240B29-F687-4f45-9708-019B960494DF}">
-              <a14:hiddenLine xmlns:a14="http://schemas.microsoft.com/office/drawing/2010/main" xmlns="" w="9525">
+              <a14:hiddenLine xmlns="" xmlns:a14="http://schemas.microsoft.com/office/drawing/2010/main" w="9525">
                 <a:solidFill>
                   <a:srgbClr val="000000"/>
                 </a:solidFill>
@@ -4617,14 +4617,14 @@
           </a:ln>
           <a:extLst>
             <a:ext uri="{909E8E84-426E-40dd-AFC4-6F175D3DCCD1}">
-              <a14:hiddenFill xmlns="" xmlns:a14="http://schemas.microsoft.com/office/drawing/2010/main">
+              <a14:hiddenFill xmlns:a14="http://schemas.microsoft.com/office/drawing/2010/main" xmlns="">
                 <a:solidFill>
                   <a:srgbClr val="FFFFFF"/>
                 </a:solidFill>
               </a14:hiddenFill>
             </a:ext>
             <a:ext uri="{91240B29-F687-4f45-9708-019B960494DF}">
-              <a14:hiddenLine xmlns="" xmlns:a14="http://schemas.microsoft.com/office/drawing/2010/main" w="9525">
+              <a14:hiddenLine xmlns:a14="http://schemas.microsoft.com/office/drawing/2010/main" xmlns="" w="9525">
                 <a:solidFill>
                   <a:srgbClr val="000000"/>
                 </a:solidFill>
@@ -4716,21 +4716,49 @@
                 <a:latin typeface="Calibri"/>
                 <a:cs typeface="Calibri"/>
               </a:rPr>
-              <a:t>John Chamberlin, </a:t>
+              <a:t>Kelsy Cotto, Arpad </a:t>
             </a:r>
             <a:r>
               <a:rPr lang="en-US" sz="1800" dirty="0" err="1">
                 <a:latin typeface="Calibri"/>
                 <a:cs typeface="Calibri"/>
               </a:rPr>
-              <a:t>Kelsy</a:t>
+              <a:t>Danos</a:t>
             </a:r>
             <a:r>
               <a:rPr lang="en-US" sz="1800" dirty="0">
                 <a:latin typeface="Calibri"/>
                 <a:cs typeface="Calibri"/>
               </a:rPr>
-              <a:t> Cotto, Felicia Gomez, Obi Griffith, Malachi Griffith, </a:t>
+              <a:t>, Harriet </a:t>
+            </a:r>
+            <a:r>
+              <a:rPr lang="en-US" sz="1800" dirty="0" err="1">
+                <a:latin typeface="Calibri"/>
+                <a:cs typeface="Calibri"/>
+              </a:rPr>
+              <a:t>Dashnow</a:t>
+            </a:r>
+            <a:r>
+              <a:rPr lang="en-US" sz="1800" dirty="0">
+                <a:latin typeface="Calibri"/>
+                <a:cs typeface="Calibri"/>
+              </a:rPr>
+              <a:t>, Felicia Gomez, Sharon </a:t>
+            </a:r>
+            <a:r>
+              <a:rPr lang="en-US" sz="1800" dirty="0" err="1">
+                <a:latin typeface="Calibri"/>
+                <a:cs typeface="Calibri"/>
+              </a:rPr>
+              <a:t>Freshour</a:t>
+            </a:r>
+            <a:r>
+              <a:rPr lang="en-US" sz="1800" dirty="0">
+                <a:latin typeface="Calibri"/>
+                <a:cs typeface="Calibri"/>
+              </a:rPr>
+              <a:t>, Obi Griffith, </a:t>
             </a:r>
           </a:p>
           <a:p>
@@ -4742,21 +4770,35 @@
                 <a:latin typeface="Calibri"/>
                 <a:cs typeface="Calibri"/>
               </a:rPr>
-              <a:t>Simone Longo, Allegra Petti, Aaron Quinlan, Megan </a:t>
+              <a:t>Malachi Griffith, Jason </a:t>
             </a:r>
             <a:r>
               <a:rPr lang="en-US" sz="1800" dirty="0" err="1">
                 <a:latin typeface="Calibri"/>
                 <a:cs typeface="Calibri"/>
               </a:rPr>
-              <a:t>Richters</a:t>
+              <a:t>Kunisaki</a:t>
             </a:r>
             <a:r>
               <a:rPr lang="en-US" sz="1800" dirty="0">
                 <a:latin typeface="Calibri"/>
                 <a:cs typeface="Calibri"/>
               </a:rPr>
-              <a:t>, Huiming Xia</a:t>
+              <a:t>, Chris Miller, Jonathan </a:t>
+            </a:r>
+            <a:r>
+              <a:rPr lang="en-US" sz="1800" dirty="0" err="1">
+                <a:latin typeface="Calibri"/>
+                <a:cs typeface="Calibri"/>
+              </a:rPr>
+              <a:t>Preall</a:t>
+            </a:r>
+            <a:r>
+              <a:rPr lang="en-US" sz="1800" dirty="0">
+                <a:latin typeface="Calibri"/>
+                <a:cs typeface="Calibri"/>
+              </a:rPr>
+              <a:t>, Aaron Quinlan</a:t>
             </a:r>
           </a:p>
           <a:p>
@@ -4764,7 +4806,7 @@
               <a:defRPr/>
             </a:pPr>
             <a:r>
-              <a:rPr lang="en-US" sz="1800" dirty="0">
+              <a:rPr lang="en-US" sz="1800">
                 <a:ln w="1270">
                   <a:solidFill>
                     <a:schemeClr val="tx1">
@@ -4778,7 +4820,7 @@
               <a:t>Advanced Sequencing Technologies &amp; Bioinformatics Analysis </a:t>
             </a:r>
             <a:r>
-              <a:rPr lang="en-US" sz="1600" dirty="0">
+              <a:rPr lang="en-US" sz="1600">
                 <a:ln w="1270">
                   <a:solidFill>
                     <a:schemeClr val="tx1">
@@ -4789,8 +4831,19 @@
                 <a:latin typeface="Calibri"/>
                 <a:cs typeface="Calibri"/>
               </a:rPr>
-              <a:t>November 16-20, 2020</a:t>
-            </a:r>
+              <a:t>November 11-19, 2021</a:t>
+            </a:r>
+            <a:endParaRPr lang="en-US" sz="1600" dirty="0">
+              <a:ln w="1270">
+                <a:solidFill>
+                  <a:schemeClr val="tx1">
+                    <a:alpha val="38000"/>
+                  </a:schemeClr>
+                </a:solidFill>
+              </a:ln>
+              <a:latin typeface="Calibri"/>
+              <a:cs typeface="Calibri"/>
+            </a:endParaRPr>
           </a:p>
         </p:txBody>
       </p:sp>
@@ -4986,7 +5039,7 @@
               </a:ln>
               <a:extLst>
                 <a:ext uri="{C572A759-6A51-4108-AA02-DFA0A04FC94B}">
-                  <ma14:wrappingTextBoxFlag xmlns="" xmlns:m="http://schemas.openxmlformats.org/officeDocument/2006/math" xmlns:a14="http://schemas.microsoft.com/office/drawing/2010/main" xmlns:ma14="http://schemas.microsoft.com/office/mac/drawingml/2011/main" val="1"/>
+                  <ma14:wrappingTextBoxFlag xmlns:ma14="http://schemas.microsoft.com/office/mac/drawingml/2011/main" xmlns:a14="http://schemas.microsoft.com/office/drawing/2010/main" xmlns:m="http://schemas.openxmlformats.org/officeDocument/2006/math" xmlns="" val="1"/>
                 </a:ext>
               </a:extLst>
             </p:spPr>
@@ -5026,7 +5079,7 @@
               </a:ln>
               <a:extLst>
                 <a:ext uri="{C572A759-6A51-4108-AA02-DFA0A04FC94B}">
-                  <ma14:wrappingTextBoxFlag xmlns="" xmlns:m="http://schemas.openxmlformats.org/officeDocument/2006/math" xmlns:a14="http://schemas.microsoft.com/office/drawing/2010/main" xmlns:ma14="http://schemas.microsoft.com/office/mac/drawingml/2011/main" val="1"/>
+                  <ma14:wrappingTextBoxFlag xmlns:ma14="http://schemas.microsoft.com/office/mac/drawingml/2011/main" xmlns:a14="http://schemas.microsoft.com/office/drawing/2010/main" xmlns:m="http://schemas.openxmlformats.org/officeDocument/2006/math" xmlns="" val="1"/>
                 </a:ext>
               </a:extLst>
             </p:spPr>
@@ -5066,7 +5119,7 @@
               </a:ln>
               <a:extLst>
                 <a:ext uri="{C572A759-6A51-4108-AA02-DFA0A04FC94B}">
-                  <ma14:wrappingTextBoxFlag xmlns="" xmlns:m="http://schemas.openxmlformats.org/officeDocument/2006/math" xmlns:a14="http://schemas.microsoft.com/office/drawing/2010/main" xmlns:ma14="http://schemas.microsoft.com/office/mac/drawingml/2011/main" val="1"/>
+                  <ma14:wrappingTextBoxFlag xmlns:ma14="http://schemas.microsoft.com/office/mac/drawingml/2011/main" xmlns:a14="http://schemas.microsoft.com/office/drawing/2010/main" xmlns:m="http://schemas.openxmlformats.org/officeDocument/2006/math" xmlns="" val="1"/>
                 </a:ext>
               </a:extLst>
             </p:spPr>
@@ -5106,7 +5159,7 @@
               </a:ln>
               <a:extLst>
                 <a:ext uri="{C572A759-6A51-4108-AA02-DFA0A04FC94B}">
-                  <ma14:wrappingTextBoxFlag xmlns="" xmlns:m="http://schemas.openxmlformats.org/officeDocument/2006/math" xmlns:a14="http://schemas.microsoft.com/office/drawing/2010/main" xmlns:ma14="http://schemas.microsoft.com/office/mac/drawingml/2011/main" val="1"/>
+                  <ma14:wrappingTextBoxFlag xmlns:ma14="http://schemas.microsoft.com/office/mac/drawingml/2011/main" xmlns:a14="http://schemas.microsoft.com/office/drawing/2010/main" xmlns:m="http://schemas.openxmlformats.org/officeDocument/2006/math" xmlns="" val="1"/>
                 </a:ext>
               </a:extLst>
             </p:spPr>
@@ -5146,7 +5199,7 @@
               </a:ln>
               <a:extLst>
                 <a:ext uri="{C572A759-6A51-4108-AA02-DFA0A04FC94B}">
-                  <ma14:wrappingTextBoxFlag xmlns="" xmlns:m="http://schemas.openxmlformats.org/officeDocument/2006/math" xmlns:a14="http://schemas.microsoft.com/office/drawing/2010/main" xmlns:ma14="http://schemas.microsoft.com/office/mac/drawingml/2011/main" val="1"/>
+                  <ma14:wrappingTextBoxFlag xmlns:ma14="http://schemas.microsoft.com/office/mac/drawingml/2011/main" xmlns:a14="http://schemas.microsoft.com/office/drawing/2010/main" xmlns:m="http://schemas.openxmlformats.org/officeDocument/2006/math" xmlns="" val="1"/>
                 </a:ext>
               </a:extLst>
             </p:spPr>
@@ -5186,7 +5239,7 @@
               </a:ln>
               <a:extLst>
                 <a:ext uri="{C572A759-6A51-4108-AA02-DFA0A04FC94B}">
-                  <ma14:wrappingTextBoxFlag xmlns="" xmlns:m="http://schemas.openxmlformats.org/officeDocument/2006/math" xmlns:a14="http://schemas.microsoft.com/office/drawing/2010/main" xmlns:ma14="http://schemas.microsoft.com/office/mac/drawingml/2011/main" val="1"/>
+                  <ma14:wrappingTextBoxFlag xmlns:ma14="http://schemas.microsoft.com/office/mac/drawingml/2011/main" xmlns:a14="http://schemas.microsoft.com/office/drawing/2010/main" xmlns:m="http://schemas.openxmlformats.org/officeDocument/2006/math" xmlns="" val="1"/>
                 </a:ext>
               </a:extLst>
             </p:spPr>
@@ -5226,7 +5279,7 @@
               </a:ln>
               <a:extLst>
                 <a:ext uri="{C572A759-6A51-4108-AA02-DFA0A04FC94B}">
-                  <ma14:wrappingTextBoxFlag xmlns="" xmlns:m="http://schemas.openxmlformats.org/officeDocument/2006/math" xmlns:a14="http://schemas.microsoft.com/office/drawing/2010/main" xmlns:ma14="http://schemas.microsoft.com/office/mac/drawingml/2011/main" val="1"/>
+                  <ma14:wrappingTextBoxFlag xmlns:ma14="http://schemas.microsoft.com/office/mac/drawingml/2011/main" xmlns:a14="http://schemas.microsoft.com/office/drawing/2010/main" xmlns:m="http://schemas.openxmlformats.org/officeDocument/2006/math" xmlns="" val="1"/>
                 </a:ext>
               </a:extLst>
             </p:spPr>
@@ -5266,7 +5319,7 @@
               </a:ln>
               <a:extLst>
                 <a:ext uri="{C572A759-6A51-4108-AA02-DFA0A04FC94B}">
-                  <ma14:wrappingTextBoxFlag xmlns="" xmlns:m="http://schemas.openxmlformats.org/officeDocument/2006/math" xmlns:a14="http://schemas.microsoft.com/office/drawing/2010/main" xmlns:ma14="http://schemas.microsoft.com/office/mac/drawingml/2011/main" val="1"/>
+                  <ma14:wrappingTextBoxFlag xmlns:ma14="http://schemas.microsoft.com/office/mac/drawingml/2011/main" xmlns:a14="http://schemas.microsoft.com/office/drawing/2010/main" xmlns:m="http://schemas.openxmlformats.org/officeDocument/2006/math" xmlns="" val="1"/>
                 </a:ext>
               </a:extLst>
             </p:spPr>
@@ -5306,7 +5359,7 @@
               </a:ln>
               <a:extLst>
                 <a:ext uri="{C572A759-6A51-4108-AA02-DFA0A04FC94B}">
-                  <ma14:wrappingTextBoxFlag xmlns="" xmlns:m="http://schemas.openxmlformats.org/officeDocument/2006/math" xmlns:a14="http://schemas.microsoft.com/office/drawing/2010/main" xmlns:ma14="http://schemas.microsoft.com/office/mac/drawingml/2011/main" val="1"/>
+                  <ma14:wrappingTextBoxFlag xmlns:ma14="http://schemas.microsoft.com/office/mac/drawingml/2011/main" xmlns:a14="http://schemas.microsoft.com/office/drawing/2010/main" xmlns:m="http://schemas.openxmlformats.org/officeDocument/2006/math" xmlns="" val="1"/>
                 </a:ext>
               </a:extLst>
             </p:spPr>
@@ -5346,7 +5399,7 @@
               </a:ln>
               <a:extLst>
                 <a:ext uri="{C572A759-6A51-4108-AA02-DFA0A04FC94B}">
-                  <ma14:wrappingTextBoxFlag xmlns="" xmlns:m="http://schemas.openxmlformats.org/officeDocument/2006/math" xmlns:a14="http://schemas.microsoft.com/office/drawing/2010/main" xmlns:ma14="http://schemas.microsoft.com/office/mac/drawingml/2011/main" val="1"/>
+                  <ma14:wrappingTextBoxFlag xmlns:ma14="http://schemas.microsoft.com/office/mac/drawingml/2011/main" xmlns:a14="http://schemas.microsoft.com/office/drawing/2010/main" xmlns:m="http://schemas.openxmlformats.org/officeDocument/2006/math" xmlns="" val="1"/>
                 </a:ext>
               </a:extLst>
             </p:spPr>
@@ -5608,14 +5661,14 @@
           </a:ln>
           <a:extLst>
             <a:ext uri="{909E8E84-426E-40dd-AFC4-6F175D3DCCD1}">
-              <a14:hiddenFill xmlns:a14="http://schemas.microsoft.com/office/drawing/2010/main" xmlns="">
+              <a14:hiddenFill xmlns="" xmlns:a14="http://schemas.microsoft.com/office/drawing/2010/main">
                 <a:solidFill>
                   <a:srgbClr val="FFFFFF"/>
                 </a:solidFill>
               </a14:hiddenFill>
             </a:ext>
             <a:ext uri="{91240B29-F687-4f45-9708-019B960494DF}">
-              <a14:hiddenLine xmlns:a14="http://schemas.microsoft.com/office/drawing/2010/main" xmlns="" w="9525">
+              <a14:hiddenLine xmlns="" xmlns:a14="http://schemas.microsoft.com/office/drawing/2010/main" w="9525">
                 <a:solidFill>
                   <a:srgbClr val="000000"/>
                 </a:solidFill>
@@ -11524,14 +11577,14 @@
           </a:ln>
           <a:extLst>
             <a:ext uri="{909E8E84-426E-40dd-AFC4-6F175D3DCCD1}">
-              <a14:hiddenFill xmlns:a14="http://schemas.microsoft.com/office/drawing/2010/main" xmlns="">
+              <a14:hiddenFill xmlns="" xmlns:a14="http://schemas.microsoft.com/office/drawing/2010/main">
                 <a:solidFill>
                   <a:srgbClr val="FFFFFF"/>
                 </a:solidFill>
               </a14:hiddenFill>
             </a:ext>
             <a:ext uri="{91240B29-F687-4f45-9708-019B960494DF}">
-              <a14:hiddenLine xmlns:a14="http://schemas.microsoft.com/office/drawing/2010/main" xmlns="" w="9525">
+              <a14:hiddenLine xmlns="" xmlns:a14="http://schemas.microsoft.com/office/drawing/2010/main" w="9525">
                 <a:solidFill>
                   <a:srgbClr val="000000"/>
                 </a:solidFill>
@@ -11565,14 +11618,14 @@
           </a:ln>
           <a:extLst>
             <a:ext uri="{909E8E84-426E-40dd-AFC4-6F175D3DCCD1}">
-              <a14:hiddenFill xmlns:a14="http://schemas.microsoft.com/office/drawing/2010/main" xmlns="">
+              <a14:hiddenFill xmlns="" xmlns:a14="http://schemas.microsoft.com/office/drawing/2010/main">
                 <a:solidFill>
                   <a:srgbClr val="FFFFFF"/>
                 </a:solidFill>
               </a14:hiddenFill>
             </a:ext>
             <a:ext uri="{91240B29-F687-4f45-9708-019B960494DF}">
-              <a14:hiddenLine xmlns:a14="http://schemas.microsoft.com/office/drawing/2010/main" xmlns="" w="9525">
+              <a14:hiddenLine xmlns="" xmlns:a14="http://schemas.microsoft.com/office/drawing/2010/main" w="9525">
                 <a:solidFill>
                   <a:srgbClr val="000000"/>
                 </a:solidFill>
@@ -11726,14 +11779,14 @@
           </a:ln>
           <a:extLst>
             <a:ext uri="{909E8E84-426E-40dd-AFC4-6F175D3DCCD1}">
-              <a14:hiddenFill xmlns:a14="http://schemas.microsoft.com/office/drawing/2010/main" xmlns="">
+              <a14:hiddenFill xmlns="" xmlns:a14="http://schemas.microsoft.com/office/drawing/2010/main">
                 <a:solidFill>
                   <a:srgbClr val="FFFFFF"/>
                 </a:solidFill>
               </a14:hiddenFill>
             </a:ext>
             <a:ext uri="{91240B29-F687-4f45-9708-019B960494DF}">
-              <a14:hiddenLine xmlns:a14="http://schemas.microsoft.com/office/drawing/2010/main" xmlns="" w="9525">
+              <a14:hiddenLine xmlns="" xmlns:a14="http://schemas.microsoft.com/office/drawing/2010/main" w="9525">
                 <a:solidFill>
                   <a:srgbClr val="000000"/>
                 </a:solidFill>
@@ -12630,14 +12683,14 @@
           </a:ln>
           <a:extLst>
             <a:ext uri="{909E8E84-426E-40dd-AFC4-6F175D3DCCD1}">
-              <a14:hiddenFill xmlns="" xmlns:a14="http://schemas.microsoft.com/office/drawing/2010/main">
+              <a14:hiddenFill xmlns:a14="http://schemas.microsoft.com/office/drawing/2010/main" xmlns="">
                 <a:solidFill>
                   <a:srgbClr val="FFFFFF"/>
                 </a:solidFill>
               </a14:hiddenFill>
             </a:ext>
             <a:ext uri="{91240B29-F687-4f45-9708-019B960494DF}">
-              <a14:hiddenLine xmlns="" xmlns:a14="http://schemas.microsoft.com/office/drawing/2010/main" w="9525">
+              <a14:hiddenLine xmlns:a14="http://schemas.microsoft.com/office/drawing/2010/main" xmlns="" w="9525">
                 <a:solidFill>
                   <a:srgbClr val="000000"/>
                 </a:solidFill>
@@ -12715,14 +12768,14 @@
           </a:ln>
           <a:extLst>
             <a:ext uri="{909E8E84-426E-40dd-AFC4-6F175D3DCCD1}">
-              <a14:hiddenFill xmlns="" xmlns:a14="http://schemas.microsoft.com/office/drawing/2010/main">
+              <a14:hiddenFill xmlns:a14="http://schemas.microsoft.com/office/drawing/2010/main" xmlns="">
                 <a:solidFill>
                   <a:srgbClr val="FFFFFF"/>
                 </a:solidFill>
               </a14:hiddenFill>
             </a:ext>
             <a:ext uri="{91240B29-F687-4f45-9708-019B960494DF}">
-              <a14:hiddenLine xmlns="" xmlns:a14="http://schemas.microsoft.com/office/drawing/2010/main" w="9525">
+              <a14:hiddenLine xmlns:a14="http://schemas.microsoft.com/office/drawing/2010/main" xmlns="" w="9525">
                 <a:solidFill>
                   <a:srgbClr val="000000"/>
                 </a:solidFill>
@@ -12934,7 +12987,7 @@
             </a:ln>
             <a:extLst>
               <a:ext uri="{C572A759-6A51-4108-AA02-DFA0A04FC94B}">
-                <ma14:wrappingTextBoxFlag xmlns="" xmlns:m="http://schemas.openxmlformats.org/officeDocument/2006/math" xmlns:a14="http://schemas.microsoft.com/office/drawing/2010/main" xmlns:ma14="http://schemas.microsoft.com/office/mac/drawingml/2011/main" val="1"/>
+                <ma14:wrappingTextBoxFlag xmlns:ma14="http://schemas.microsoft.com/office/mac/drawingml/2011/main" xmlns:a14="http://schemas.microsoft.com/office/drawing/2010/main" xmlns:m="http://schemas.openxmlformats.org/officeDocument/2006/math" xmlns="" val="1"/>
               </a:ext>
             </a:extLst>
           </p:spPr>
@@ -13052,7 +13105,7 @@
             </a:ln>
             <a:extLst>
               <a:ext uri="{C572A759-6A51-4108-AA02-DFA0A04FC94B}">
-                <ma14:wrappingTextBoxFlag xmlns="" xmlns:m="http://schemas.openxmlformats.org/officeDocument/2006/math" xmlns:a14="http://schemas.microsoft.com/office/drawing/2010/main" xmlns:ma14="http://schemas.microsoft.com/office/mac/drawingml/2011/main" val="1"/>
+                <ma14:wrappingTextBoxFlag xmlns:ma14="http://schemas.microsoft.com/office/mac/drawingml/2011/main" xmlns:a14="http://schemas.microsoft.com/office/drawing/2010/main" xmlns:m="http://schemas.openxmlformats.org/officeDocument/2006/math" xmlns="" val="1"/>
               </a:ext>
             </a:extLst>
           </p:spPr>
@@ -13145,7 +13198,7 @@
             </a:ln>
             <a:extLst>
               <a:ext uri="{C572A759-6A51-4108-AA02-DFA0A04FC94B}">
-                <ma14:wrappingTextBoxFlag xmlns="" xmlns:m="http://schemas.openxmlformats.org/officeDocument/2006/math" xmlns:a14="http://schemas.microsoft.com/office/drawing/2010/main" xmlns:ma14="http://schemas.microsoft.com/office/mac/drawingml/2011/main" val="1"/>
+                <ma14:wrappingTextBoxFlag xmlns:ma14="http://schemas.microsoft.com/office/mac/drawingml/2011/main" xmlns:a14="http://schemas.microsoft.com/office/drawing/2010/main" xmlns:m="http://schemas.openxmlformats.org/officeDocument/2006/math" xmlns="" val="1"/>
               </a:ext>
             </a:extLst>
           </p:spPr>
@@ -13230,7 +13283,7 @@
             </a:ln>
             <a:extLst>
               <a:ext uri="{C572A759-6A51-4108-AA02-DFA0A04FC94B}">
-                <ma14:wrappingTextBoxFlag xmlns="" xmlns:m="http://schemas.openxmlformats.org/officeDocument/2006/math" xmlns:a14="http://schemas.microsoft.com/office/drawing/2010/main" xmlns:ma14="http://schemas.microsoft.com/office/mac/drawingml/2011/main" val="1"/>
+                <ma14:wrappingTextBoxFlag xmlns:ma14="http://schemas.microsoft.com/office/mac/drawingml/2011/main" xmlns:a14="http://schemas.microsoft.com/office/drawing/2010/main" xmlns:m="http://schemas.openxmlformats.org/officeDocument/2006/math" xmlns="" val="1"/>
               </a:ext>
             </a:extLst>
           </p:spPr>
@@ -13405,14 +13458,14 @@
           </a:ln>
           <a:extLst>
             <a:ext uri="{909E8E84-426E-40dd-AFC4-6F175D3DCCD1}">
-              <a14:hiddenFill xmlns="" xmlns:a14="http://schemas.microsoft.com/office/drawing/2010/main">
+              <a14:hiddenFill xmlns:a14="http://schemas.microsoft.com/office/drawing/2010/main" xmlns="">
                 <a:solidFill>
                   <a:srgbClr val="FFFFFF"/>
                 </a:solidFill>
               </a14:hiddenFill>
             </a:ext>
             <a:ext uri="{91240B29-F687-4f45-9708-019B960494DF}">
-              <a14:hiddenLine xmlns="" xmlns:a14="http://schemas.microsoft.com/office/drawing/2010/main" w="9525">
+              <a14:hiddenLine xmlns:a14="http://schemas.microsoft.com/office/drawing/2010/main" xmlns="" w="9525">
                 <a:solidFill>
                   <a:srgbClr val="000000"/>
                 </a:solidFill>
@@ -13920,14 +13973,14 @@
           </a:ln>
           <a:extLst>
             <a:ext uri="{909E8E84-426E-40dd-AFC4-6F175D3DCCD1}">
-              <a14:hiddenFill xmlns:a14="http://schemas.microsoft.com/office/drawing/2010/main" xmlns="">
+              <a14:hiddenFill xmlns="" xmlns:a14="http://schemas.microsoft.com/office/drawing/2010/main">
                 <a:solidFill>
                   <a:srgbClr val="FFFFFF"/>
                 </a:solidFill>
               </a14:hiddenFill>
             </a:ext>
             <a:ext uri="{91240B29-F687-4f45-9708-019B960494DF}">
-              <a14:hiddenLine xmlns:a14="http://schemas.microsoft.com/office/drawing/2010/main" xmlns="" w="9525">
+              <a14:hiddenLine xmlns="" xmlns:a14="http://schemas.microsoft.com/office/drawing/2010/main" w="9525">
                 <a:solidFill>
                   <a:srgbClr val="000000"/>
                 </a:solidFill>
@@ -14166,7 +14219,7 @@
               </a:ln>
               <a:extLst>
                 <a:ext uri="{C572A759-6A51-4108-AA02-DFA0A04FC94B}">
-                  <ma14:wrappingTextBoxFlag xmlns="" xmlns:m="http://schemas.openxmlformats.org/officeDocument/2006/math" xmlns:a14="http://schemas.microsoft.com/office/drawing/2010/main" xmlns:ma14="http://schemas.microsoft.com/office/mac/drawingml/2011/main" val="1"/>
+                  <ma14:wrappingTextBoxFlag xmlns:ma14="http://schemas.microsoft.com/office/mac/drawingml/2011/main" xmlns:a14="http://schemas.microsoft.com/office/drawing/2010/main" xmlns:m="http://schemas.openxmlformats.org/officeDocument/2006/math" xmlns="" val="1"/>
                 </a:ext>
               </a:extLst>
             </p:spPr>
@@ -14206,7 +14259,7 @@
               </a:ln>
               <a:extLst>
                 <a:ext uri="{C572A759-6A51-4108-AA02-DFA0A04FC94B}">
-                  <ma14:wrappingTextBoxFlag xmlns="" xmlns:m="http://schemas.openxmlformats.org/officeDocument/2006/math" xmlns:a14="http://schemas.microsoft.com/office/drawing/2010/main" xmlns:ma14="http://schemas.microsoft.com/office/mac/drawingml/2011/main" val="1"/>
+                  <ma14:wrappingTextBoxFlag xmlns:ma14="http://schemas.microsoft.com/office/mac/drawingml/2011/main" xmlns:a14="http://schemas.microsoft.com/office/drawing/2010/main" xmlns:m="http://schemas.openxmlformats.org/officeDocument/2006/math" xmlns="" val="1"/>
                 </a:ext>
               </a:extLst>
             </p:spPr>
@@ -14246,7 +14299,7 @@
               </a:ln>
               <a:extLst>
                 <a:ext uri="{C572A759-6A51-4108-AA02-DFA0A04FC94B}">
-                  <ma14:wrappingTextBoxFlag xmlns="" xmlns:m="http://schemas.openxmlformats.org/officeDocument/2006/math" xmlns:a14="http://schemas.microsoft.com/office/drawing/2010/main" xmlns:ma14="http://schemas.microsoft.com/office/mac/drawingml/2011/main" val="1"/>
+                  <ma14:wrappingTextBoxFlag xmlns:ma14="http://schemas.microsoft.com/office/mac/drawingml/2011/main" xmlns:a14="http://schemas.microsoft.com/office/drawing/2010/main" xmlns:m="http://schemas.openxmlformats.org/officeDocument/2006/math" xmlns="" val="1"/>
                 </a:ext>
               </a:extLst>
             </p:spPr>
@@ -14286,7 +14339,7 @@
               </a:ln>
               <a:extLst>
                 <a:ext uri="{C572A759-6A51-4108-AA02-DFA0A04FC94B}">
-                  <ma14:wrappingTextBoxFlag xmlns="" xmlns:m="http://schemas.openxmlformats.org/officeDocument/2006/math" xmlns:a14="http://schemas.microsoft.com/office/drawing/2010/main" xmlns:ma14="http://schemas.microsoft.com/office/mac/drawingml/2011/main" val="1"/>
+                  <ma14:wrappingTextBoxFlag xmlns:ma14="http://schemas.microsoft.com/office/mac/drawingml/2011/main" xmlns:a14="http://schemas.microsoft.com/office/drawing/2010/main" xmlns:m="http://schemas.openxmlformats.org/officeDocument/2006/math" xmlns="" val="1"/>
                 </a:ext>
               </a:extLst>
             </p:spPr>
@@ -14326,7 +14379,7 @@
               </a:ln>
               <a:extLst>
                 <a:ext uri="{C572A759-6A51-4108-AA02-DFA0A04FC94B}">
-                  <ma14:wrappingTextBoxFlag xmlns="" xmlns:m="http://schemas.openxmlformats.org/officeDocument/2006/math" xmlns:a14="http://schemas.microsoft.com/office/drawing/2010/main" xmlns:ma14="http://schemas.microsoft.com/office/mac/drawingml/2011/main" val="1"/>
+                  <ma14:wrappingTextBoxFlag xmlns:ma14="http://schemas.microsoft.com/office/mac/drawingml/2011/main" xmlns:a14="http://schemas.microsoft.com/office/drawing/2010/main" xmlns:m="http://schemas.openxmlformats.org/officeDocument/2006/math" xmlns="" val="1"/>
                 </a:ext>
               </a:extLst>
             </p:spPr>
@@ -14366,7 +14419,7 @@
               </a:ln>
               <a:extLst>
                 <a:ext uri="{C572A759-6A51-4108-AA02-DFA0A04FC94B}">
-                  <ma14:wrappingTextBoxFlag xmlns="" xmlns:m="http://schemas.openxmlformats.org/officeDocument/2006/math" xmlns:a14="http://schemas.microsoft.com/office/drawing/2010/main" xmlns:ma14="http://schemas.microsoft.com/office/mac/drawingml/2011/main" val="1"/>
+                  <ma14:wrappingTextBoxFlag xmlns:ma14="http://schemas.microsoft.com/office/mac/drawingml/2011/main" xmlns:a14="http://schemas.microsoft.com/office/drawing/2010/main" xmlns:m="http://schemas.openxmlformats.org/officeDocument/2006/math" xmlns="" val="1"/>
                 </a:ext>
               </a:extLst>
             </p:spPr>
@@ -14406,7 +14459,7 @@
               </a:ln>
               <a:extLst>
                 <a:ext uri="{C572A759-6A51-4108-AA02-DFA0A04FC94B}">
-                  <ma14:wrappingTextBoxFlag xmlns="" xmlns:m="http://schemas.openxmlformats.org/officeDocument/2006/math" xmlns:a14="http://schemas.microsoft.com/office/drawing/2010/main" xmlns:ma14="http://schemas.microsoft.com/office/mac/drawingml/2011/main" val="1"/>
+                  <ma14:wrappingTextBoxFlag xmlns:ma14="http://schemas.microsoft.com/office/mac/drawingml/2011/main" xmlns:a14="http://schemas.microsoft.com/office/drawing/2010/main" xmlns:m="http://schemas.openxmlformats.org/officeDocument/2006/math" xmlns="" val="1"/>
                 </a:ext>
               </a:extLst>
             </p:spPr>
@@ -14446,7 +14499,7 @@
               </a:ln>
               <a:extLst>
                 <a:ext uri="{C572A759-6A51-4108-AA02-DFA0A04FC94B}">
-                  <ma14:wrappingTextBoxFlag xmlns="" xmlns:m="http://schemas.openxmlformats.org/officeDocument/2006/math" xmlns:a14="http://schemas.microsoft.com/office/drawing/2010/main" xmlns:ma14="http://schemas.microsoft.com/office/mac/drawingml/2011/main" val="1"/>
+                  <ma14:wrappingTextBoxFlag xmlns:ma14="http://schemas.microsoft.com/office/mac/drawingml/2011/main" xmlns:a14="http://schemas.microsoft.com/office/drawing/2010/main" xmlns:m="http://schemas.openxmlformats.org/officeDocument/2006/math" xmlns="" val="1"/>
                 </a:ext>
               </a:extLst>
             </p:spPr>
@@ -14486,7 +14539,7 @@
               </a:ln>
               <a:extLst>
                 <a:ext uri="{C572A759-6A51-4108-AA02-DFA0A04FC94B}">
-                  <ma14:wrappingTextBoxFlag xmlns="" xmlns:m="http://schemas.openxmlformats.org/officeDocument/2006/math" xmlns:a14="http://schemas.microsoft.com/office/drawing/2010/main" xmlns:ma14="http://schemas.microsoft.com/office/mac/drawingml/2011/main" val="1"/>
+                  <ma14:wrappingTextBoxFlag xmlns:ma14="http://schemas.microsoft.com/office/mac/drawingml/2011/main" xmlns:a14="http://schemas.microsoft.com/office/drawing/2010/main" xmlns:m="http://schemas.openxmlformats.org/officeDocument/2006/math" xmlns="" val="1"/>
                 </a:ext>
               </a:extLst>
             </p:spPr>
@@ -14526,7 +14579,7 @@
               </a:ln>
               <a:extLst>
                 <a:ext uri="{C572A759-6A51-4108-AA02-DFA0A04FC94B}">
-                  <ma14:wrappingTextBoxFlag xmlns="" xmlns:m="http://schemas.openxmlformats.org/officeDocument/2006/math" xmlns:a14="http://schemas.microsoft.com/office/drawing/2010/main" xmlns:ma14="http://schemas.microsoft.com/office/mac/drawingml/2011/main" val="1"/>
+                  <ma14:wrappingTextBoxFlag xmlns:ma14="http://schemas.microsoft.com/office/mac/drawingml/2011/main" xmlns:a14="http://schemas.microsoft.com/office/drawing/2010/main" xmlns:m="http://schemas.openxmlformats.org/officeDocument/2006/math" xmlns="" val="1"/>
                 </a:ext>
               </a:extLst>
             </p:spPr>
@@ -14800,14 +14853,14 @@
           </a:ln>
           <a:extLst>
             <a:ext uri="{909E8E84-426E-40dd-AFC4-6F175D3DCCD1}">
-              <a14:hiddenFill xmlns:a14="http://schemas.microsoft.com/office/drawing/2010/main" xmlns="">
+              <a14:hiddenFill xmlns="" xmlns:a14="http://schemas.microsoft.com/office/drawing/2010/main">
                 <a:solidFill>
                   <a:srgbClr val="FFFFFF"/>
                 </a:solidFill>
               </a14:hiddenFill>
             </a:ext>
             <a:ext uri="{91240B29-F687-4f45-9708-019B960494DF}">
-              <a14:hiddenLine xmlns:a14="http://schemas.microsoft.com/office/drawing/2010/main" xmlns="" w="9525">
+              <a14:hiddenLine xmlns="" xmlns:a14="http://schemas.microsoft.com/office/drawing/2010/main" w="9525">
                 <a:solidFill>
                   <a:srgbClr val="000000"/>
                 </a:solidFill>
